--- a/week2/week2_JZ.pptx
+++ b/week2/week2_JZ.pptx
@@ -5,23 +5,24 @@
     <p:sldMasterId id="2147483672" r:id="rId1"/>
   </p:sldMasterIdLst>
   <p:notesMasterIdLst>
-    <p:notesMasterId r:id="rId16"/>
+    <p:notesMasterId r:id="rId17"/>
   </p:notesMasterIdLst>
   <p:sldIdLst>
     <p:sldId id="256" r:id="rId2"/>
     <p:sldId id="270" r:id="rId3"/>
     <p:sldId id="267" r:id="rId4"/>
-    <p:sldId id="285" r:id="rId5"/>
-    <p:sldId id="275" r:id="rId6"/>
-    <p:sldId id="276" r:id="rId7"/>
-    <p:sldId id="277" r:id="rId8"/>
-    <p:sldId id="278" r:id="rId9"/>
-    <p:sldId id="286" r:id="rId10"/>
-    <p:sldId id="271" r:id="rId11"/>
-    <p:sldId id="280" r:id="rId12"/>
-    <p:sldId id="272" r:id="rId13"/>
-    <p:sldId id="281" r:id="rId14"/>
-    <p:sldId id="287" r:id="rId15"/>
+    <p:sldId id="288" r:id="rId5"/>
+    <p:sldId id="285" r:id="rId6"/>
+    <p:sldId id="275" r:id="rId7"/>
+    <p:sldId id="276" r:id="rId8"/>
+    <p:sldId id="277" r:id="rId9"/>
+    <p:sldId id="278" r:id="rId10"/>
+    <p:sldId id="286" r:id="rId11"/>
+    <p:sldId id="271" r:id="rId12"/>
+    <p:sldId id="280" r:id="rId13"/>
+    <p:sldId id="272" r:id="rId14"/>
+    <p:sldId id="281" r:id="rId15"/>
+    <p:sldId id="287" r:id="rId16"/>
   </p:sldIdLst>
   <p:sldSz cx="12192000" cy="6858000"/>
   <p:notesSz cx="6858000" cy="9144000"/>
@@ -222,7 +223,7 @@
           <a:p>
             <a:fld id="{267DF66C-789E-9B44-A9F5-DFBF68F9D18E}" type="datetimeFigureOut">
               <a:rPr lang="en-US" smtClean="0"/>
-              <a:t>10/11/18</a:t>
+              <a:t>10/12/18</a:t>
             </a:fld>
             <a:endParaRPr lang="en-US"/>
           </a:p>
@@ -554,7 +555,7 @@
           <a:p>
             <a:fld id="{CDB9F987-BC23-B549-9DCC-292DC84ED715}" type="slidenum">
               <a:rPr lang="en-US" smtClean="0"/>
-              <a:t>3</a:t>
+              <a:t>2</a:t>
             </a:fld>
             <a:endParaRPr lang="en-US"/>
           </a:p>
@@ -563,7 +564,94 @@
     </p:spTree>
     <p:extLst>
       <p:ext uri="{BB962C8B-B14F-4D97-AF65-F5344CB8AC3E}">
-        <p14:creationId xmlns:p14="http://schemas.microsoft.com/office/powerpoint/2010/main" val="2316872187"/>
+        <p14:creationId xmlns:p14="http://schemas.microsoft.com/office/powerpoint/2010/main" val="1360838142"/>
+      </p:ext>
+    </p:extLst>
+  </p:cSld>
+  <p:clrMapOvr>
+    <a:masterClrMapping/>
+  </p:clrMapOvr>
+</p:notes>
+</file>
+
+<file path=ppt/notesSlides/notesSlide10.xml><?xml version="1.0" encoding="utf-8"?>
+<p:notes xmlns:a="http://schemas.openxmlformats.org/drawingml/2006/main" xmlns:r="http://schemas.openxmlformats.org/officeDocument/2006/relationships" xmlns:p="http://schemas.openxmlformats.org/presentationml/2006/main">
+  <p:cSld>
+    <p:spTree>
+      <p:nvGrpSpPr>
+        <p:cNvPr id="1" name=""/>
+        <p:cNvGrpSpPr/>
+        <p:nvPr/>
+      </p:nvGrpSpPr>
+      <p:grpSpPr>
+        <a:xfrm>
+          <a:off x="0" y="0"/>
+          <a:ext cx="0" cy="0"/>
+          <a:chOff x="0" y="0"/>
+          <a:chExt cx="0" cy="0"/>
+        </a:xfrm>
+      </p:grpSpPr>
+      <p:sp>
+        <p:nvSpPr>
+          <p:cNvPr id="2" name="Slide Image Placeholder 1"/>
+          <p:cNvSpPr>
+            <a:spLocks noGrp="1" noRot="1" noChangeAspect="1"/>
+          </p:cNvSpPr>
+          <p:nvPr>
+            <p:ph type="sldImg"/>
+          </p:nvPr>
+        </p:nvSpPr>
+        <p:spPr/>
+      </p:sp>
+      <p:sp>
+        <p:nvSpPr>
+          <p:cNvPr id="3" name="Notes Placeholder 2"/>
+          <p:cNvSpPr>
+            <a:spLocks noGrp="1"/>
+          </p:cNvSpPr>
+          <p:nvPr>
+            <p:ph type="body" idx="1"/>
+          </p:nvPr>
+        </p:nvSpPr>
+        <p:spPr/>
+        <p:txBody>
+          <a:bodyPr/>
+          <a:lstStyle/>
+          <a:p>
+            <a:r>
+              <a:rPr lang="en-US" dirty="0"/>
+              <a:t>What does this code do?  At the end, does sum have the same value as sum2?</a:t>
+            </a:r>
+          </a:p>
+        </p:txBody>
+      </p:sp>
+      <p:sp>
+        <p:nvSpPr>
+          <p:cNvPr id="4" name="Slide Number Placeholder 3"/>
+          <p:cNvSpPr>
+            <a:spLocks noGrp="1"/>
+          </p:cNvSpPr>
+          <p:nvPr>
+            <p:ph type="sldNum" sz="quarter" idx="5"/>
+          </p:nvPr>
+        </p:nvSpPr>
+        <p:spPr/>
+        <p:txBody>
+          <a:bodyPr/>
+          <a:lstStyle/>
+          <a:p>
+            <a:fld id="{CDB9F987-BC23-B549-9DCC-292DC84ED715}" type="slidenum">
+              <a:rPr lang="en-US" smtClean="0"/>
+              <a:t>14</a:t>
+            </a:fld>
+            <a:endParaRPr lang="en-US"/>
+          </a:p>
+        </p:txBody>
+      </p:sp>
+    </p:spTree>
+    <p:extLst>
+      <p:ext uri="{BB962C8B-B14F-4D97-AF65-F5344CB8AC3E}">
+        <p14:creationId xmlns:p14="http://schemas.microsoft.com/office/powerpoint/2010/main" val="741559366"/>
       </p:ext>
     </p:extLst>
   </p:cSld>
@@ -617,160 +705,6 @@
           <a:bodyPr/>
           <a:lstStyle/>
           <a:p>
-            <a:pPr marL="0" marR="0" lvl="0" indent="0" algn="l" defTabSz="914400" rtl="0" eaLnBrk="1" fontAlgn="auto" latinLnBrk="0" hangingPunct="1">
-              <a:lnSpc>
-                <a:spcPct val="100000"/>
-              </a:lnSpc>
-              <a:spcBef>
-                <a:spcPts val="0"/>
-              </a:spcBef>
-              <a:spcAft>
-                <a:spcPts val="0"/>
-              </a:spcAft>
-              <a:buClrTx/>
-              <a:buSzTx/>
-              <a:buFontTx/>
-              <a:buNone/>
-              <a:tabLst/>
-              <a:defRPr/>
-            </a:pPr>
-            <a:r>
-              <a:rPr lang="en-US" dirty="0"/>
-              <a:t>Don’t use </a:t>
-            </a:r>
-            <a:r>
-              <a:rPr lang="en-US" dirty="0" err="1"/>
-              <a:t>cin</a:t>
-            </a:r>
-            <a:r>
-              <a:rPr lang="en-US" dirty="0"/>
-              <a:t> &gt;&gt; </a:t>
-            </a:r>
-            <a:r>
-              <a:rPr lang="en-US" dirty="0" err="1"/>
-              <a:t>stringVar</a:t>
-            </a:r>
-            <a:endParaRPr lang="en-US" dirty="0"/>
-          </a:p>
-          <a:p>
-            <a:pPr marL="0" marR="0" lvl="0" indent="0" algn="l" defTabSz="914400" rtl="0" eaLnBrk="1" fontAlgn="auto" latinLnBrk="0" hangingPunct="1">
-              <a:lnSpc>
-                <a:spcPct val="100000"/>
-              </a:lnSpc>
-              <a:spcBef>
-                <a:spcPts val="0"/>
-              </a:spcBef>
-              <a:spcAft>
-                <a:spcPts val="0"/>
-              </a:spcAft>
-              <a:buClrTx/>
-              <a:buSzTx/>
-              <a:buFontTx/>
-              <a:buNone/>
-              <a:tabLst/>
-              <a:defRPr/>
-            </a:pPr>
-            <a:endParaRPr lang="en-US" dirty="0"/>
-          </a:p>
-          <a:p>
-            <a:pPr marL="0" marR="0" lvl="0" indent="0" algn="l" defTabSz="914400" rtl="0" eaLnBrk="1" fontAlgn="auto" latinLnBrk="0" hangingPunct="1">
-              <a:lnSpc>
-                <a:spcPct val="100000"/>
-              </a:lnSpc>
-              <a:spcBef>
-                <a:spcPts val="0"/>
-              </a:spcBef>
-              <a:spcAft>
-                <a:spcPts val="0"/>
-              </a:spcAft>
-              <a:buClrTx/>
-              <a:buSzTx/>
-              <a:buFontTx/>
-              <a:buNone/>
-              <a:tabLst/>
-              <a:defRPr/>
-            </a:pPr>
-            <a:r>
-              <a:rPr lang="en-US" dirty="0" err="1"/>
-              <a:t>cin.ignore</a:t>
-            </a:r>
-            <a:r>
-              <a:rPr lang="en-US" dirty="0"/>
-              <a:t>(10000, ‘\n’)</a:t>
-            </a:r>
-          </a:p>
-          <a:p>
-            <a:pPr marL="0" marR="0" lvl="0" indent="0" algn="l" defTabSz="914400" rtl="0" eaLnBrk="1" fontAlgn="auto" latinLnBrk="0" hangingPunct="1">
-              <a:lnSpc>
-                <a:spcPct val="100000"/>
-              </a:lnSpc>
-              <a:spcBef>
-                <a:spcPts val="0"/>
-              </a:spcBef>
-              <a:spcAft>
-                <a:spcPts val="0"/>
-              </a:spcAft>
-              <a:buClrTx/>
-              <a:buSzTx/>
-              <a:buFontTx/>
-              <a:buNone/>
-              <a:tabLst/>
-              <a:defRPr/>
-            </a:pPr>
-            <a:r>
-              <a:rPr lang="en-US" sz="1200" b="0" i="0" kern="1200" dirty="0">
-                <a:solidFill>
-                  <a:schemeClr val="tx1"/>
-                </a:solidFill>
-                <a:effectLst/>
-                <a:latin typeface="+mn-lt"/>
-                <a:ea typeface="+mn-ea"/>
-                <a:cs typeface="+mn-cs"/>
-              </a:rPr>
-              <a:t>Emphasize that the *only* time they'd be using </a:t>
-            </a:r>
-            <a:r>
-              <a:rPr lang="en-US" sz="1200" b="0" i="0" kern="1200" dirty="0" err="1">
-                <a:solidFill>
-                  <a:schemeClr val="tx1"/>
-                </a:solidFill>
-                <a:effectLst/>
-                <a:latin typeface="+mn-lt"/>
-                <a:ea typeface="+mn-ea"/>
-                <a:cs typeface="+mn-cs"/>
-              </a:rPr>
-              <a:t>cin.ignore</a:t>
-            </a:r>
-            <a:r>
-              <a:rPr lang="en-US" sz="1200" b="0" i="0" kern="1200" dirty="0">
-                <a:solidFill>
-                  <a:schemeClr val="tx1"/>
-                </a:solidFill>
-                <a:effectLst/>
-                <a:latin typeface="+mn-lt"/>
-                <a:ea typeface="+mn-ea"/>
-                <a:cs typeface="+mn-cs"/>
-              </a:rPr>
-              <a:t>(...) is after they </a:t>
-            </a:r>
-            <a:br>
-              <a:rPr lang="en-US" dirty="0"/>
-            </a:br>
-            <a:r>
-              <a:rPr lang="en-US" sz="1200" b="0" i="0" kern="1200" dirty="0">
-                <a:solidFill>
-                  <a:schemeClr val="tx1"/>
-                </a:solidFill>
-                <a:effectLst/>
-                <a:latin typeface="+mn-lt"/>
-                <a:ea typeface="+mn-ea"/>
-                <a:cs typeface="+mn-cs"/>
-              </a:rPr>
-              <a:t>read a number when the next thing they'll be reading will be a string.  </a:t>
-            </a:r>
-            <a:endParaRPr lang="en-US" b="1" dirty="0"/>
-          </a:p>
-          <a:p>
             <a:endParaRPr lang="en-US" dirty="0"/>
           </a:p>
         </p:txBody>
@@ -792,7 +726,7 @@
           <a:p>
             <a:fld id="{CDB9F987-BC23-B549-9DCC-292DC84ED715}" type="slidenum">
               <a:rPr lang="en-US" smtClean="0"/>
-              <a:t>4</a:t>
+              <a:t>3</a:t>
             </a:fld>
             <a:endParaRPr lang="en-US"/>
           </a:p>
@@ -801,7 +735,7 @@
     </p:spTree>
     <p:extLst>
       <p:ext uri="{BB962C8B-B14F-4D97-AF65-F5344CB8AC3E}">
-        <p14:creationId xmlns:p14="http://schemas.microsoft.com/office/powerpoint/2010/main" val="518989018"/>
+        <p14:creationId xmlns:p14="http://schemas.microsoft.com/office/powerpoint/2010/main" val="2316872187"/>
       </p:ext>
     </p:extLst>
   </p:cSld>
@@ -855,16 +789,7 @@
           <a:bodyPr/>
           <a:lstStyle/>
           <a:p>
-            <a:r>
-              <a:rPr lang="en-US" dirty="0"/>
-              <a:t>Make if and else statements at same level</a:t>
-            </a:r>
-          </a:p>
-          <a:p>
-            <a:r>
-              <a:rPr lang="en-US" dirty="0"/>
-              <a:t>Put chunks of code inside the if blocks at same level</a:t>
-            </a:r>
+            <a:endParaRPr lang="en-US" dirty="0"/>
           </a:p>
         </p:txBody>
       </p:sp>
@@ -885,7 +810,7 @@
           <a:p>
             <a:fld id="{CDB9F987-BC23-B549-9DCC-292DC84ED715}" type="slidenum">
               <a:rPr lang="en-US" smtClean="0"/>
-              <a:t>6</a:t>
+              <a:t>4</a:t>
             </a:fld>
             <a:endParaRPr lang="en-US"/>
           </a:p>
@@ -894,7 +819,7 @@
     </p:spTree>
     <p:extLst>
       <p:ext uri="{BB962C8B-B14F-4D97-AF65-F5344CB8AC3E}">
-        <p14:creationId xmlns:p14="http://schemas.microsoft.com/office/powerpoint/2010/main" val="4008726997"/>
+        <p14:creationId xmlns:p14="http://schemas.microsoft.com/office/powerpoint/2010/main" val="2181468446"/>
       </p:ext>
     </p:extLst>
   </p:cSld>
@@ -948,6 +873,160 @@
           <a:bodyPr/>
           <a:lstStyle/>
           <a:p>
+            <a:pPr marL="0" marR="0" lvl="0" indent="0" algn="l" defTabSz="914400" rtl="0" eaLnBrk="1" fontAlgn="auto" latinLnBrk="0" hangingPunct="1">
+              <a:lnSpc>
+                <a:spcPct val="100000"/>
+              </a:lnSpc>
+              <a:spcBef>
+                <a:spcPts val="0"/>
+              </a:spcBef>
+              <a:spcAft>
+                <a:spcPts val="0"/>
+              </a:spcAft>
+              <a:buClrTx/>
+              <a:buSzTx/>
+              <a:buFontTx/>
+              <a:buNone/>
+              <a:tabLst/>
+              <a:defRPr/>
+            </a:pPr>
+            <a:r>
+              <a:rPr lang="en-US" dirty="0"/>
+              <a:t>Don’t use </a:t>
+            </a:r>
+            <a:r>
+              <a:rPr lang="en-US" dirty="0" err="1"/>
+              <a:t>cin</a:t>
+            </a:r>
+            <a:r>
+              <a:rPr lang="en-US" dirty="0"/>
+              <a:t> &gt;&gt; </a:t>
+            </a:r>
+            <a:r>
+              <a:rPr lang="en-US" dirty="0" err="1"/>
+              <a:t>stringVar</a:t>
+            </a:r>
+            <a:endParaRPr lang="en-US" dirty="0"/>
+          </a:p>
+          <a:p>
+            <a:pPr marL="0" marR="0" lvl="0" indent="0" algn="l" defTabSz="914400" rtl="0" eaLnBrk="1" fontAlgn="auto" latinLnBrk="0" hangingPunct="1">
+              <a:lnSpc>
+                <a:spcPct val="100000"/>
+              </a:lnSpc>
+              <a:spcBef>
+                <a:spcPts val="0"/>
+              </a:spcBef>
+              <a:spcAft>
+                <a:spcPts val="0"/>
+              </a:spcAft>
+              <a:buClrTx/>
+              <a:buSzTx/>
+              <a:buFontTx/>
+              <a:buNone/>
+              <a:tabLst/>
+              <a:defRPr/>
+            </a:pPr>
+            <a:endParaRPr lang="en-US" dirty="0"/>
+          </a:p>
+          <a:p>
+            <a:pPr marL="0" marR="0" lvl="0" indent="0" algn="l" defTabSz="914400" rtl="0" eaLnBrk="1" fontAlgn="auto" latinLnBrk="0" hangingPunct="1">
+              <a:lnSpc>
+                <a:spcPct val="100000"/>
+              </a:lnSpc>
+              <a:spcBef>
+                <a:spcPts val="0"/>
+              </a:spcBef>
+              <a:spcAft>
+                <a:spcPts val="0"/>
+              </a:spcAft>
+              <a:buClrTx/>
+              <a:buSzTx/>
+              <a:buFontTx/>
+              <a:buNone/>
+              <a:tabLst/>
+              <a:defRPr/>
+            </a:pPr>
+            <a:r>
+              <a:rPr lang="en-US" dirty="0" err="1"/>
+              <a:t>cin.ignore</a:t>
+            </a:r>
+            <a:r>
+              <a:rPr lang="en-US" dirty="0"/>
+              <a:t>(10000, ‘\n’)</a:t>
+            </a:r>
+          </a:p>
+          <a:p>
+            <a:pPr marL="0" marR="0" lvl="0" indent="0" algn="l" defTabSz="914400" rtl="0" eaLnBrk="1" fontAlgn="auto" latinLnBrk="0" hangingPunct="1">
+              <a:lnSpc>
+                <a:spcPct val="100000"/>
+              </a:lnSpc>
+              <a:spcBef>
+                <a:spcPts val="0"/>
+              </a:spcBef>
+              <a:spcAft>
+                <a:spcPts val="0"/>
+              </a:spcAft>
+              <a:buClrTx/>
+              <a:buSzTx/>
+              <a:buFontTx/>
+              <a:buNone/>
+              <a:tabLst/>
+              <a:defRPr/>
+            </a:pPr>
+            <a:r>
+              <a:rPr lang="en-US" sz="1200" b="0" i="0" kern="1200" dirty="0">
+                <a:solidFill>
+                  <a:schemeClr val="tx1"/>
+                </a:solidFill>
+                <a:effectLst/>
+                <a:latin typeface="+mn-lt"/>
+                <a:ea typeface="+mn-ea"/>
+                <a:cs typeface="+mn-cs"/>
+              </a:rPr>
+              <a:t>Emphasize that the *only* time they'd be using </a:t>
+            </a:r>
+            <a:r>
+              <a:rPr lang="en-US" sz="1200" b="0" i="0" kern="1200" dirty="0" err="1">
+                <a:solidFill>
+                  <a:schemeClr val="tx1"/>
+                </a:solidFill>
+                <a:effectLst/>
+                <a:latin typeface="+mn-lt"/>
+                <a:ea typeface="+mn-ea"/>
+                <a:cs typeface="+mn-cs"/>
+              </a:rPr>
+              <a:t>cin.ignore</a:t>
+            </a:r>
+            <a:r>
+              <a:rPr lang="en-US" sz="1200" b="0" i="0" kern="1200" dirty="0">
+                <a:solidFill>
+                  <a:schemeClr val="tx1"/>
+                </a:solidFill>
+                <a:effectLst/>
+                <a:latin typeface="+mn-lt"/>
+                <a:ea typeface="+mn-ea"/>
+                <a:cs typeface="+mn-cs"/>
+              </a:rPr>
+              <a:t>(...) is after they </a:t>
+            </a:r>
+            <a:br>
+              <a:rPr lang="en-US" dirty="0"/>
+            </a:br>
+            <a:r>
+              <a:rPr lang="en-US" sz="1200" b="0" i="0" kern="1200" dirty="0">
+                <a:solidFill>
+                  <a:schemeClr val="tx1"/>
+                </a:solidFill>
+                <a:effectLst/>
+                <a:latin typeface="+mn-lt"/>
+                <a:ea typeface="+mn-ea"/>
+                <a:cs typeface="+mn-cs"/>
+              </a:rPr>
+              <a:t>read a number when the next thing they'll be reading will be a string.  </a:t>
+            </a:r>
+            <a:endParaRPr lang="en-US" b="1" dirty="0"/>
+          </a:p>
+          <a:p>
             <a:endParaRPr lang="en-US" dirty="0"/>
           </a:p>
         </p:txBody>
@@ -969,7 +1048,7 @@
           <a:p>
             <a:fld id="{CDB9F987-BC23-B549-9DCC-292DC84ED715}" type="slidenum">
               <a:rPr lang="en-US" smtClean="0"/>
-              <a:t>7</a:t>
+              <a:t>5</a:t>
             </a:fld>
             <a:endParaRPr lang="en-US"/>
           </a:p>
@@ -978,7 +1057,7 @@
     </p:spTree>
     <p:extLst>
       <p:ext uri="{BB962C8B-B14F-4D97-AF65-F5344CB8AC3E}">
-        <p14:creationId xmlns:p14="http://schemas.microsoft.com/office/powerpoint/2010/main" val="3687759677"/>
+        <p14:creationId xmlns:p14="http://schemas.microsoft.com/office/powerpoint/2010/main" val="518989018"/>
       </p:ext>
     </p:extLst>
   </p:cSld>
@@ -1034,7 +1113,13 @@
           <a:p>
             <a:r>
               <a:rPr lang="en-US" dirty="0"/>
-              <a:t>Practice coding juice</a:t>
+              <a:t>Make if and else statements at same level</a:t>
+            </a:r>
+          </a:p>
+          <a:p>
+            <a:r>
+              <a:rPr lang="en-US" dirty="0"/>
+              <a:t>Put chunks of code inside the if blocks at same level</a:t>
             </a:r>
           </a:p>
         </p:txBody>
@@ -1056,7 +1141,7 @@
           <a:p>
             <a:fld id="{CDB9F987-BC23-B549-9DCC-292DC84ED715}" type="slidenum">
               <a:rPr lang="en-US" smtClean="0"/>
-              <a:t>10</a:t>
+              <a:t>7</a:t>
             </a:fld>
             <a:endParaRPr lang="en-US"/>
           </a:p>
@@ -1065,7 +1150,7 @@
     </p:spTree>
     <p:extLst>
       <p:ext uri="{BB962C8B-B14F-4D97-AF65-F5344CB8AC3E}">
-        <p14:creationId xmlns:p14="http://schemas.microsoft.com/office/powerpoint/2010/main" val="672553876"/>
+        <p14:creationId xmlns:p14="http://schemas.microsoft.com/office/powerpoint/2010/main" val="4008726997"/>
       </p:ext>
     </p:extLst>
   </p:cSld>
@@ -1119,10 +1204,7 @@
           <a:bodyPr/>
           <a:lstStyle/>
           <a:p>
-            <a:r>
-              <a:rPr lang="en-US" dirty="0"/>
-              <a:t>This code is supposed to take in a score from 0-100 and say whether it is A/B/C/failing.  Does it work correctly?</a:t>
-            </a:r>
+            <a:endParaRPr lang="en-US" dirty="0"/>
           </a:p>
         </p:txBody>
       </p:sp>
@@ -1143,7 +1225,7 @@
           <a:p>
             <a:fld id="{CDB9F987-BC23-B549-9DCC-292DC84ED715}" type="slidenum">
               <a:rPr lang="en-US" smtClean="0"/>
-              <a:t>11</a:t>
+              <a:t>8</a:t>
             </a:fld>
             <a:endParaRPr lang="en-US"/>
           </a:p>
@@ -1152,7 +1234,7 @@
     </p:spTree>
     <p:extLst>
       <p:ext uri="{BB962C8B-B14F-4D97-AF65-F5344CB8AC3E}">
-        <p14:creationId xmlns:p14="http://schemas.microsoft.com/office/powerpoint/2010/main" val="2480065098"/>
+        <p14:creationId xmlns:p14="http://schemas.microsoft.com/office/powerpoint/2010/main" val="3687759677"/>
       </p:ext>
     </p:extLst>
   </p:cSld>
@@ -1206,7 +1288,10 @@
           <a:bodyPr/>
           <a:lstStyle/>
           <a:p>
-            <a:endParaRPr lang="en-US" dirty="0"/>
+            <a:r>
+              <a:rPr lang="en-US" dirty="0"/>
+              <a:t>Practice coding juice</a:t>
+            </a:r>
           </a:p>
         </p:txBody>
       </p:sp>
@@ -1227,7 +1312,7 @@
           <a:p>
             <a:fld id="{CDB9F987-BC23-B549-9DCC-292DC84ED715}" type="slidenum">
               <a:rPr lang="en-US" smtClean="0"/>
-              <a:t>12</a:t>
+              <a:t>11</a:t>
             </a:fld>
             <a:endParaRPr lang="en-US"/>
           </a:p>
@@ -1236,7 +1321,7 @@
     </p:spTree>
     <p:extLst>
       <p:ext uri="{BB962C8B-B14F-4D97-AF65-F5344CB8AC3E}">
-        <p14:creationId xmlns:p14="http://schemas.microsoft.com/office/powerpoint/2010/main" val="2103506350"/>
+        <p14:creationId xmlns:p14="http://schemas.microsoft.com/office/powerpoint/2010/main" val="672553876"/>
       </p:ext>
     </p:extLst>
   </p:cSld>
@@ -1292,8 +1377,92 @@
           <a:p>
             <a:r>
               <a:rPr lang="en-US" dirty="0"/>
-              <a:t>What does this code do?  At the end, does sum have the same value as sum2?</a:t>
-            </a:r>
+              <a:t>This code is supposed to take in a score from 0-100 and say whether it is A/B/C/failing.  Does it work correctly?</a:t>
+            </a:r>
+          </a:p>
+        </p:txBody>
+      </p:sp>
+      <p:sp>
+        <p:nvSpPr>
+          <p:cNvPr id="4" name="Slide Number Placeholder 3"/>
+          <p:cNvSpPr>
+            <a:spLocks noGrp="1"/>
+          </p:cNvSpPr>
+          <p:nvPr>
+            <p:ph type="sldNum" sz="quarter" idx="5"/>
+          </p:nvPr>
+        </p:nvSpPr>
+        <p:spPr/>
+        <p:txBody>
+          <a:bodyPr/>
+          <a:lstStyle/>
+          <a:p>
+            <a:fld id="{CDB9F987-BC23-B549-9DCC-292DC84ED715}" type="slidenum">
+              <a:rPr lang="en-US" smtClean="0"/>
+              <a:t>12</a:t>
+            </a:fld>
+            <a:endParaRPr lang="en-US"/>
+          </a:p>
+        </p:txBody>
+      </p:sp>
+    </p:spTree>
+    <p:extLst>
+      <p:ext uri="{BB962C8B-B14F-4D97-AF65-F5344CB8AC3E}">
+        <p14:creationId xmlns:p14="http://schemas.microsoft.com/office/powerpoint/2010/main" val="2480065098"/>
+      </p:ext>
+    </p:extLst>
+  </p:cSld>
+  <p:clrMapOvr>
+    <a:masterClrMapping/>
+  </p:clrMapOvr>
+</p:notes>
+</file>
+
+<file path=ppt/notesSlides/notesSlide9.xml><?xml version="1.0" encoding="utf-8"?>
+<p:notes xmlns:a="http://schemas.openxmlformats.org/drawingml/2006/main" xmlns:r="http://schemas.openxmlformats.org/officeDocument/2006/relationships" xmlns:p="http://schemas.openxmlformats.org/presentationml/2006/main">
+  <p:cSld>
+    <p:spTree>
+      <p:nvGrpSpPr>
+        <p:cNvPr id="1" name=""/>
+        <p:cNvGrpSpPr/>
+        <p:nvPr/>
+      </p:nvGrpSpPr>
+      <p:grpSpPr>
+        <a:xfrm>
+          <a:off x="0" y="0"/>
+          <a:ext cx="0" cy="0"/>
+          <a:chOff x="0" y="0"/>
+          <a:chExt cx="0" cy="0"/>
+        </a:xfrm>
+      </p:grpSpPr>
+      <p:sp>
+        <p:nvSpPr>
+          <p:cNvPr id="2" name="Slide Image Placeholder 1"/>
+          <p:cNvSpPr>
+            <a:spLocks noGrp="1" noRot="1" noChangeAspect="1"/>
+          </p:cNvSpPr>
+          <p:nvPr>
+            <p:ph type="sldImg"/>
+          </p:nvPr>
+        </p:nvSpPr>
+        <p:spPr/>
+      </p:sp>
+      <p:sp>
+        <p:nvSpPr>
+          <p:cNvPr id="3" name="Notes Placeholder 2"/>
+          <p:cNvSpPr>
+            <a:spLocks noGrp="1"/>
+          </p:cNvSpPr>
+          <p:nvPr>
+            <p:ph type="body" idx="1"/>
+          </p:nvPr>
+        </p:nvSpPr>
+        <p:spPr/>
+        <p:txBody>
+          <a:bodyPr/>
+          <a:lstStyle/>
+          <a:p>
+            <a:endParaRPr lang="en-US" dirty="0"/>
           </a:p>
         </p:txBody>
       </p:sp>
@@ -1323,7 +1492,7 @@
     </p:spTree>
     <p:extLst>
       <p:ext uri="{BB962C8B-B14F-4D97-AF65-F5344CB8AC3E}">
-        <p14:creationId xmlns:p14="http://schemas.microsoft.com/office/powerpoint/2010/main" val="741559366"/>
+        <p14:creationId xmlns:p14="http://schemas.microsoft.com/office/powerpoint/2010/main" val="2103506350"/>
       </p:ext>
     </p:extLst>
   </p:cSld>
@@ -1480,7 +1649,7 @@
           <a:p>
             <a:fld id="{3FCDF464-0580-D94C-AEA1-91B4B1F2D6F0}" type="datetimeFigureOut">
               <a:rPr lang="en-US" smtClean="0"/>
-              <a:t>10/11/18</a:t>
+              <a:t>10/12/18</a:t>
             </a:fld>
             <a:endParaRPr lang="en-US"/>
           </a:p>
@@ -1678,7 +1847,7 @@
           <a:p>
             <a:fld id="{3FCDF464-0580-D94C-AEA1-91B4B1F2D6F0}" type="datetimeFigureOut">
               <a:rPr lang="en-US" smtClean="0"/>
-              <a:t>10/11/18</a:t>
+              <a:t>10/12/18</a:t>
             </a:fld>
             <a:endParaRPr lang="en-US"/>
           </a:p>
@@ -1886,7 +2055,7 @@
           <a:p>
             <a:fld id="{3FCDF464-0580-D94C-AEA1-91B4B1F2D6F0}" type="datetimeFigureOut">
               <a:rPr lang="en-US" smtClean="0"/>
-              <a:t>10/11/18</a:t>
+              <a:t>10/12/18</a:t>
             </a:fld>
             <a:endParaRPr lang="en-US"/>
           </a:p>
@@ -2084,7 +2253,7 @@
           <a:p>
             <a:fld id="{3FCDF464-0580-D94C-AEA1-91B4B1F2D6F0}" type="datetimeFigureOut">
               <a:rPr lang="en-US" smtClean="0"/>
-              <a:t>10/11/18</a:t>
+              <a:t>10/12/18</a:t>
             </a:fld>
             <a:endParaRPr lang="en-US"/>
           </a:p>
@@ -2359,7 +2528,7 @@
           <a:p>
             <a:fld id="{3FCDF464-0580-D94C-AEA1-91B4B1F2D6F0}" type="datetimeFigureOut">
               <a:rPr lang="en-US" smtClean="0"/>
-              <a:t>10/11/18</a:t>
+              <a:t>10/12/18</a:t>
             </a:fld>
             <a:endParaRPr lang="en-US"/>
           </a:p>
@@ -2624,7 +2793,7 @@
           <a:p>
             <a:fld id="{3FCDF464-0580-D94C-AEA1-91B4B1F2D6F0}" type="datetimeFigureOut">
               <a:rPr lang="en-US" smtClean="0"/>
-              <a:t>10/11/18</a:t>
+              <a:t>10/12/18</a:t>
             </a:fld>
             <a:endParaRPr lang="en-US"/>
           </a:p>
@@ -3036,7 +3205,7 @@
           <a:p>
             <a:fld id="{3FCDF464-0580-D94C-AEA1-91B4B1F2D6F0}" type="datetimeFigureOut">
               <a:rPr lang="en-US" smtClean="0"/>
-              <a:t>10/11/18</a:t>
+              <a:t>10/12/18</a:t>
             </a:fld>
             <a:endParaRPr lang="en-US"/>
           </a:p>
@@ -3177,7 +3346,7 @@
           <a:p>
             <a:fld id="{3FCDF464-0580-D94C-AEA1-91B4B1F2D6F0}" type="datetimeFigureOut">
               <a:rPr lang="en-US" smtClean="0"/>
-              <a:t>10/11/18</a:t>
+              <a:t>10/12/18</a:t>
             </a:fld>
             <a:endParaRPr lang="en-US"/>
           </a:p>
@@ -3290,7 +3459,7 @@
           <a:p>
             <a:fld id="{3FCDF464-0580-D94C-AEA1-91B4B1F2D6F0}" type="datetimeFigureOut">
               <a:rPr lang="en-US" smtClean="0"/>
-              <a:t>10/11/18</a:t>
+              <a:t>10/12/18</a:t>
             </a:fld>
             <a:endParaRPr lang="en-US"/>
           </a:p>
@@ -3601,7 +3770,7 @@
           <a:p>
             <a:fld id="{3FCDF464-0580-D94C-AEA1-91B4B1F2D6F0}" type="datetimeFigureOut">
               <a:rPr lang="en-US" smtClean="0"/>
-              <a:t>10/11/18</a:t>
+              <a:t>10/12/18</a:t>
             </a:fld>
             <a:endParaRPr lang="en-US"/>
           </a:p>
@@ -3889,7 +4058,7 @@
           <a:p>
             <a:fld id="{3FCDF464-0580-D94C-AEA1-91B4B1F2D6F0}" type="datetimeFigureOut">
               <a:rPr lang="en-US" smtClean="0"/>
-              <a:t>10/11/18</a:t>
+              <a:t>10/12/18</a:t>
             </a:fld>
             <a:endParaRPr lang="en-US"/>
           </a:p>
@@ -4130,7 +4299,7 @@
           <a:p>
             <a:fld id="{3FCDF464-0580-D94C-AEA1-91B4B1F2D6F0}" type="datetimeFigureOut">
               <a:rPr lang="en-US" smtClean="0"/>
-              <a:t>10/11/18</a:t>
+              <a:t>10/12/18</a:t>
             </a:fld>
             <a:endParaRPr lang="en-US"/>
           </a:p>
@@ -4657,6 +4826,121 @@
           <p:cNvPr id="2" name="Title 1">
             <a:extLst>
               <a:ext uri="{FF2B5EF4-FFF2-40B4-BE49-F238E27FC236}">
+                <a16:creationId xmlns:a16="http://schemas.microsoft.com/office/drawing/2014/main" id="{428DCBC3-DDCF-3D43-A793-1A3254152806}"/>
+              </a:ext>
+            </a:extLst>
+          </p:cNvPr>
+          <p:cNvSpPr>
+            <a:spLocks noGrp="1"/>
+          </p:cNvSpPr>
+          <p:nvPr>
+            <p:ph type="title"/>
+          </p:nvPr>
+        </p:nvSpPr>
+        <p:spPr/>
+        <p:txBody>
+          <a:bodyPr/>
+          <a:lstStyle/>
+          <a:p>
+            <a:r>
+              <a:rPr lang="en-US" dirty="0"/>
+              <a:t>Incremental development tips</a:t>
+            </a:r>
+          </a:p>
+        </p:txBody>
+      </p:sp>
+      <p:sp>
+        <p:nvSpPr>
+          <p:cNvPr id="3" name="Content Placeholder 2">
+            <a:extLst>
+              <a:ext uri="{FF2B5EF4-FFF2-40B4-BE49-F238E27FC236}">
+                <a16:creationId xmlns:a16="http://schemas.microsoft.com/office/drawing/2014/main" id="{F2360DEF-2ECA-494A-AA1E-5EC1F6E2F16F}"/>
+              </a:ext>
+            </a:extLst>
+          </p:cNvPr>
+          <p:cNvSpPr>
+            <a:spLocks noGrp="1"/>
+          </p:cNvSpPr>
+          <p:nvPr>
+            <p:ph idx="1"/>
+          </p:nvPr>
+        </p:nvSpPr>
+        <p:spPr>
+          <a:xfrm>
+            <a:off x="838200" y="1825625"/>
+            <a:ext cx="10515600" cy="4351338"/>
+          </a:xfrm>
+        </p:spPr>
+        <p:txBody>
+          <a:bodyPr/>
+          <a:lstStyle/>
+          <a:p>
+            <a:r>
+              <a:rPr lang="en-US" dirty="0"/>
+              <a:t>Write small blocks of code at a time and test them with multiple types of input</a:t>
+            </a:r>
+          </a:p>
+          <a:p>
+            <a:endParaRPr lang="en-US" dirty="0"/>
+          </a:p>
+          <a:p>
+            <a:r>
+              <a:rPr lang="en-US" dirty="0"/>
+              <a:t>If you have multiple errors, test them sequentially and recompile as you fix mistakes.  Sometimes fixing one mistake will also fix later ones.</a:t>
+            </a:r>
+          </a:p>
+          <a:p>
+            <a:endParaRPr lang="en-US" dirty="0"/>
+          </a:p>
+          <a:p>
+            <a:r>
+              <a:rPr lang="en-US" dirty="0"/>
+              <a:t>Save often!</a:t>
+            </a:r>
+          </a:p>
+          <a:p>
+            <a:endParaRPr lang="en-US" dirty="0"/>
+          </a:p>
+          <a:p>
+            <a:endParaRPr lang="en-US" dirty="0"/>
+          </a:p>
+        </p:txBody>
+      </p:sp>
+    </p:spTree>
+    <p:extLst>
+      <p:ext uri="{BB962C8B-B14F-4D97-AF65-F5344CB8AC3E}">
+        <p14:creationId xmlns:p14="http://schemas.microsoft.com/office/powerpoint/2010/main" val="1716786189"/>
+      </p:ext>
+    </p:extLst>
+  </p:cSld>
+  <p:clrMapOvr>
+    <a:masterClrMapping/>
+  </p:clrMapOvr>
+</p:sld>
+</file>
+
+<file path=ppt/slides/slide11.xml><?xml version="1.0" encoding="utf-8"?>
+<p:sld xmlns:a="http://schemas.openxmlformats.org/drawingml/2006/main" xmlns:r="http://schemas.openxmlformats.org/officeDocument/2006/relationships" xmlns:p="http://schemas.openxmlformats.org/presentationml/2006/main">
+  <p:cSld>
+    <p:spTree>
+      <p:nvGrpSpPr>
+        <p:cNvPr id="1" name=""/>
+        <p:cNvGrpSpPr/>
+        <p:nvPr/>
+      </p:nvGrpSpPr>
+      <p:grpSpPr>
+        <a:xfrm>
+          <a:off x="0" y="0"/>
+          <a:ext cx="0" cy="0"/>
+          <a:chOff x="0" y="0"/>
+          <a:chExt cx="0" cy="0"/>
+        </a:xfrm>
+      </p:grpSpPr>
+      <p:sp>
+        <p:nvSpPr>
+          <p:cNvPr id="2" name="Title 1">
+            <a:extLst>
+              <a:ext uri="{FF2B5EF4-FFF2-40B4-BE49-F238E27FC236}">
                 <a16:creationId xmlns:a16="http://schemas.microsoft.com/office/drawing/2014/main" id="{76A325A8-DB12-1144-9A5D-F45F96918DF6}"/>
               </a:ext>
             </a:extLst>
@@ -4838,7 +5122,7 @@
 </p:sld>
 </file>
 
-<file path=ppt/slides/slide11.xml><?xml version="1.0" encoding="utf-8"?>
+<file path=ppt/slides/slide12.xml><?xml version="1.0" encoding="utf-8"?>
 <p:sld xmlns:a="http://schemas.openxmlformats.org/drawingml/2006/main" xmlns:r="http://schemas.openxmlformats.org/officeDocument/2006/relationships" xmlns:p="http://schemas.openxmlformats.org/presentationml/2006/main">
   <p:cSld>
     <p:spTree>
@@ -4934,7 +5218,7 @@
 </p:sld>
 </file>
 
-<file path=ppt/slides/slide12.xml><?xml version="1.0" encoding="utf-8"?>
+<file path=ppt/slides/slide13.xml><?xml version="1.0" encoding="utf-8"?>
 <p:sld xmlns:a="http://schemas.openxmlformats.org/drawingml/2006/main" xmlns:r="http://schemas.openxmlformats.org/officeDocument/2006/relationships" xmlns:p="http://schemas.openxmlformats.org/presentationml/2006/main">
   <p:cSld>
     <p:spTree>
@@ -5124,7 +5408,7 @@
 </p:sld>
 </file>
 
-<file path=ppt/slides/slide13.xml><?xml version="1.0" encoding="utf-8"?>
+<file path=ppt/slides/slide14.xml><?xml version="1.0" encoding="utf-8"?>
 <p:sld xmlns:a="http://schemas.openxmlformats.org/drawingml/2006/main" xmlns:r="http://schemas.openxmlformats.org/officeDocument/2006/relationships" xmlns:p="http://schemas.openxmlformats.org/presentationml/2006/main">
   <p:cSld>
     <p:spTree>
@@ -5219,7 +5503,7 @@
 </p:sld>
 </file>
 
-<file path=ppt/slides/slide14.xml><?xml version="1.0" encoding="utf-8"?>
+<file path=ppt/slides/slide15.xml><?xml version="1.0" encoding="utf-8"?>
 <p:sld xmlns:a="http://schemas.openxmlformats.org/drawingml/2006/main" xmlns:r="http://schemas.openxmlformats.org/officeDocument/2006/relationships" xmlns:p="http://schemas.openxmlformats.org/presentationml/2006/main">
   <p:cSld>
     <p:spTree>
@@ -5283,7 +5567,7 @@
         <p:spPr/>
         <p:txBody>
           <a:bodyPr>
-            <a:normAutofit fontScale="85000" lnSpcReduction="20000"/>
+            <a:normAutofit fontScale="92500" lnSpcReduction="10000"/>
           </a:bodyPr>
           <a:lstStyle/>
           <a:p>
@@ -5325,20 +5609,21 @@
           <a:p>
             <a:r>
               <a:rPr lang="en-US" dirty="0"/>
-              <a:t>If bad input, do not keep prompting</a:t>
-            </a:r>
-          </a:p>
-          <a:p>
-            <a:pPr marL="0" indent="0">
-              <a:buNone/>
-            </a:pPr>
+              <a:t>If multiple bad inputs, only write error message for earliest erroneous input (do not write others).  </a:t>
+            </a:r>
+            <a:r>
+              <a:rPr lang="en-US"/>
+              <a:t>You can </a:t>
+            </a:r>
+            <a:r>
+              <a:rPr lang="en-US" dirty="0"/>
+              <a:t>keep </a:t>
+            </a:r>
+            <a:r>
+              <a:rPr lang="en-US"/>
+              <a:t>assigning variables.</a:t>
+            </a:r>
             <a:endParaRPr lang="en-US" dirty="0"/>
-          </a:p>
-          <a:p>
-            <a:r>
-              <a:rPr lang="en-US" dirty="0"/>
-              <a:t>Only write error message for earliest erroneous input (do not write others)</a:t>
-            </a:r>
           </a:p>
           <a:p>
             <a:pPr marL="0" indent="0">
@@ -5433,12 +5718,35 @@
         </p:nvSpPr>
         <p:spPr/>
         <p:txBody>
-          <a:bodyPr/>
-          <a:lstStyle/>
-          <a:p>
-            <a:r>
-              <a:rPr lang="en-US" dirty="0"/>
-              <a:t>I will be out of town 10/15-10/20.  You will be assigned a different section at the same time for next week.  Please watch for an email regarding your specific assignment.</a:t>
+          <a:bodyPr>
+            <a:normAutofit lnSpcReduction="10000"/>
+          </a:bodyPr>
+          <a:lstStyle/>
+          <a:p>
+            <a:r>
+              <a:rPr lang="en-US" dirty="0"/>
+              <a:t>I will be out of town 10/15-10/20.  You will be assigned a different section at the same time for next week.  Trevor Hackett will take over my office hours that week, and I will take over his office hours the next.  Discussion sections meeting at the same time:</a:t>
+            </a:r>
+          </a:p>
+          <a:p>
+            <a:pPr lvl="2"/>
+            <a:r>
+              <a:rPr lang="en-US" dirty="0"/>
+              <a:t>1G: Rolfe Hall 3134</a:t>
+            </a:r>
+          </a:p>
+          <a:p>
+            <a:pPr lvl="2"/>
+            <a:r>
+              <a:rPr lang="en-US" dirty="0"/>
+              <a:t>1H: Boelter Hall 5436</a:t>
+            </a:r>
+          </a:p>
+          <a:p>
+            <a:pPr lvl="2"/>
+            <a:r>
+              <a:rPr lang="en-US" dirty="0"/>
+              <a:t>2G : Boelter Hall 5419</a:t>
             </a:r>
           </a:p>
           <a:p>
@@ -5715,6 +6023,176 @@
 </file>
 
 <file path=ppt/slides/slide4.xml><?xml version="1.0" encoding="utf-8"?>
+<p:sld xmlns:a="http://schemas.openxmlformats.org/drawingml/2006/main" xmlns:r="http://schemas.openxmlformats.org/officeDocument/2006/relationships" xmlns:p="http://schemas.openxmlformats.org/presentationml/2006/main">
+  <p:cSld>
+    <p:spTree>
+      <p:nvGrpSpPr>
+        <p:cNvPr id="1" name=""/>
+        <p:cNvGrpSpPr/>
+        <p:nvPr/>
+      </p:nvGrpSpPr>
+      <p:grpSpPr>
+        <a:xfrm>
+          <a:off x="0" y="0"/>
+          <a:ext cx="0" cy="0"/>
+          <a:chOff x="0" y="0"/>
+          <a:chExt cx="0" cy="0"/>
+        </a:xfrm>
+      </p:grpSpPr>
+      <p:sp>
+        <p:nvSpPr>
+          <p:cNvPr id="2" name="Title 1">
+            <a:extLst>
+              <a:ext uri="{FF2B5EF4-FFF2-40B4-BE49-F238E27FC236}">
+                <a16:creationId xmlns:a16="http://schemas.microsoft.com/office/drawing/2014/main" id="{00E60C7E-F7C3-8049-B8BF-8863F5427597}"/>
+              </a:ext>
+            </a:extLst>
+          </p:cNvPr>
+          <p:cNvSpPr>
+            <a:spLocks noGrp="1"/>
+          </p:cNvSpPr>
+          <p:nvPr>
+            <p:ph type="title"/>
+          </p:nvPr>
+        </p:nvSpPr>
+        <p:spPr/>
+        <p:txBody>
+          <a:bodyPr/>
+          <a:lstStyle/>
+          <a:p>
+            <a:r>
+              <a:rPr lang="en-US" dirty="0" err="1"/>
+              <a:t>Github</a:t>
+            </a:r>
+            <a:r>
+              <a:rPr lang="en-US" dirty="0"/>
+              <a:t> Helpful Commands</a:t>
+            </a:r>
+          </a:p>
+        </p:txBody>
+      </p:sp>
+      <p:sp>
+        <p:nvSpPr>
+          <p:cNvPr id="3" name="Content Placeholder 2">
+            <a:extLst>
+              <a:ext uri="{FF2B5EF4-FFF2-40B4-BE49-F238E27FC236}">
+                <a16:creationId xmlns:a16="http://schemas.microsoft.com/office/drawing/2014/main" id="{E217DBB8-C79D-1547-A263-F50DF8DD9CB0}"/>
+              </a:ext>
+            </a:extLst>
+          </p:cNvPr>
+          <p:cNvSpPr>
+            <a:spLocks noGrp="1"/>
+          </p:cNvSpPr>
+          <p:nvPr>
+            <p:ph idx="1"/>
+          </p:nvPr>
+        </p:nvSpPr>
+        <p:spPr/>
+        <p:txBody>
+          <a:bodyPr>
+            <a:normAutofit lnSpcReduction="10000"/>
+          </a:bodyPr>
+          <a:lstStyle/>
+          <a:p>
+            <a:r>
+              <a:rPr lang="en-US" dirty="0">
+                <a:hlinkClick r:id="rId3"/>
+              </a:rPr>
+              <a:t>Installation</a:t>
+            </a:r>
+            <a:r>
+              <a:rPr lang="en-US" dirty="0"/>
+              <a:t> for command line</a:t>
+            </a:r>
+          </a:p>
+          <a:p>
+            <a:r>
+              <a:rPr lang="en-US" dirty="0">
+                <a:hlinkClick r:id="rId4"/>
+              </a:rPr>
+              <a:t>Installation</a:t>
+            </a:r>
+            <a:r>
+              <a:rPr lang="en-US" dirty="0"/>
+              <a:t> for desktop</a:t>
+            </a:r>
+          </a:p>
+          <a:p>
+            <a:pPr marL="0" indent="0">
+              <a:buNone/>
+            </a:pPr>
+            <a:endParaRPr lang="en-US" dirty="0"/>
+          </a:p>
+          <a:p>
+            <a:r>
+              <a:rPr lang="en-US" dirty="0"/>
+              <a:t>Copy the repository to your computer</a:t>
+            </a:r>
+          </a:p>
+          <a:p>
+            <a:pPr lvl="1"/>
+            <a:r>
+              <a:rPr lang="en-US" dirty="0"/>
+              <a:t>git clone </a:t>
+            </a:r>
+            <a:r>
+              <a:rPr lang="en-US" dirty="0">
+                <a:hlinkClick r:id="rId5"/>
+              </a:rPr>
+              <a:t>https://github.com/jzou1115/CS31_code.git</a:t>
+            </a:r>
+            <a:endParaRPr lang="en-US" dirty="0"/>
+          </a:p>
+          <a:p>
+            <a:pPr marL="457200" lvl="1" indent="0">
+              <a:buNone/>
+            </a:pPr>
+            <a:endParaRPr lang="en-US" dirty="0"/>
+          </a:p>
+          <a:p>
+            <a:r>
+              <a:rPr lang="en-US" dirty="0"/>
+              <a:t>Sync your repository with what I have put on the internet</a:t>
+            </a:r>
+          </a:p>
+          <a:p>
+            <a:pPr lvl="1"/>
+            <a:r>
+              <a:rPr lang="en-US" dirty="0">
+                <a:hlinkClick r:id="rId6"/>
+              </a:rPr>
+              <a:t>git pull origin master</a:t>
+            </a:r>
+            <a:endParaRPr lang="en-US" dirty="0"/>
+          </a:p>
+          <a:p>
+            <a:endParaRPr lang="en-US" dirty="0"/>
+          </a:p>
+          <a:p>
+            <a:r>
+              <a:rPr lang="en-US" dirty="0">
+                <a:hlinkClick r:id="rId7"/>
+              </a:rPr>
+              <a:t>Make your own repository</a:t>
+            </a:r>
+            <a:endParaRPr lang="en-US" dirty="0"/>
+          </a:p>
+        </p:txBody>
+      </p:sp>
+    </p:spTree>
+    <p:extLst>
+      <p:ext uri="{BB962C8B-B14F-4D97-AF65-F5344CB8AC3E}">
+        <p14:creationId xmlns:p14="http://schemas.microsoft.com/office/powerpoint/2010/main" val="2171119226"/>
+      </p:ext>
+    </p:extLst>
+  </p:cSld>
+  <p:clrMapOvr>
+    <a:masterClrMapping/>
+  </p:clrMapOvr>
+</p:sld>
+</file>
+
+<file path=ppt/slides/slide5.xml><?xml version="1.0" encoding="utf-8"?>
 <p:sld xmlns:a="http://schemas.openxmlformats.org/drawingml/2006/main" xmlns:r="http://schemas.openxmlformats.org/officeDocument/2006/relationships" xmlns:p="http://schemas.openxmlformats.org/presentationml/2006/main">
   <p:cSld>
     <p:spTree>
@@ -5802,7 +6280,7 @@
 </p:sld>
 </file>
 
-<file path=ppt/slides/slide5.xml><?xml version="1.0" encoding="utf-8"?>
+<file path=ppt/slides/slide6.xml><?xml version="1.0" encoding="utf-8"?>
 <p:sld xmlns:a="http://schemas.openxmlformats.org/drawingml/2006/main" xmlns:r="http://schemas.openxmlformats.org/officeDocument/2006/relationships" xmlns:p="http://schemas.openxmlformats.org/presentationml/2006/main">
   <p:cSld>
     <p:spTree>
@@ -5921,7 +6399,7 @@
 </p:sld>
 </file>
 
-<file path=ppt/slides/slide6.xml><?xml version="1.0" encoding="utf-8"?>
+<file path=ppt/slides/slide7.xml><?xml version="1.0" encoding="utf-8"?>
 <p:sld xmlns:a="http://schemas.openxmlformats.org/drawingml/2006/main" xmlns:r="http://schemas.openxmlformats.org/officeDocument/2006/relationships" xmlns:p="http://schemas.openxmlformats.org/presentationml/2006/main">
   <p:cSld>
     <p:spTree>
@@ -6009,159 +6487,6 @@
 </p:sld>
 </file>
 
-<file path=ppt/slides/slide7.xml><?xml version="1.0" encoding="utf-8"?>
-<p:sld xmlns:a="http://schemas.openxmlformats.org/drawingml/2006/main" xmlns:r="http://schemas.openxmlformats.org/officeDocument/2006/relationships" xmlns:p="http://schemas.openxmlformats.org/presentationml/2006/main">
-  <p:cSld>
-    <p:spTree>
-      <p:nvGrpSpPr>
-        <p:cNvPr id="1" name=""/>
-        <p:cNvGrpSpPr/>
-        <p:nvPr/>
-      </p:nvGrpSpPr>
-      <p:grpSpPr>
-        <a:xfrm>
-          <a:off x="0" y="0"/>
-          <a:ext cx="0" cy="0"/>
-          <a:chOff x="0" y="0"/>
-          <a:chExt cx="0" cy="0"/>
-        </a:xfrm>
-      </p:grpSpPr>
-      <p:sp>
-        <p:nvSpPr>
-          <p:cNvPr id="2" name="Title 1">
-            <a:extLst>
-              <a:ext uri="{FF2B5EF4-FFF2-40B4-BE49-F238E27FC236}">
-                <a16:creationId xmlns:a16="http://schemas.microsoft.com/office/drawing/2014/main" id="{2F6C9A64-3B91-3B40-8BC5-93B7A4BA692B}"/>
-              </a:ext>
-            </a:extLst>
-          </p:cNvPr>
-          <p:cNvSpPr>
-            <a:spLocks noGrp="1"/>
-          </p:cNvSpPr>
-          <p:nvPr>
-            <p:ph type="title"/>
-          </p:nvPr>
-        </p:nvSpPr>
-        <p:spPr/>
-        <p:txBody>
-          <a:bodyPr/>
-          <a:lstStyle/>
-          <a:p>
-            <a:r>
-              <a:rPr lang="en-US" dirty="0"/>
-              <a:t>Have descriptive variable names</a:t>
-            </a:r>
-          </a:p>
-        </p:txBody>
-      </p:sp>
-      <p:sp>
-        <p:nvSpPr>
-          <p:cNvPr id="4" name="Content Placeholder 2">
-            <a:extLst>
-              <a:ext uri="{FF2B5EF4-FFF2-40B4-BE49-F238E27FC236}">
-                <a16:creationId xmlns:a16="http://schemas.microsoft.com/office/drawing/2014/main" id="{2568D4F4-F275-8A47-BEDE-04A213ECA94E}"/>
-              </a:ext>
-            </a:extLst>
-          </p:cNvPr>
-          <p:cNvSpPr>
-            <a:spLocks noGrp="1"/>
-          </p:cNvSpPr>
-          <p:nvPr>
-            <p:ph idx="1"/>
-          </p:nvPr>
-        </p:nvSpPr>
-        <p:spPr>
-          <a:xfrm>
-            <a:off x="838200" y="1825625"/>
-            <a:ext cx="10515600" cy="4351338"/>
-          </a:xfrm>
-        </p:spPr>
-        <p:txBody>
-          <a:bodyPr>
-            <a:normAutofit fontScale="92500" lnSpcReduction="20000"/>
-          </a:bodyPr>
-          <a:lstStyle/>
-          <a:p>
-            <a:pPr marL="0" indent="0">
-              <a:buNone/>
-            </a:pPr>
-            <a:r>
-              <a:rPr lang="en-US" dirty="0"/>
-              <a:t>In Homework #2, you have to write a program that calculates the cost of a car rental.  You need to create variables to store these values:</a:t>
-            </a:r>
-          </a:p>
-          <a:p>
-            <a:pPr marL="0" indent="0">
-              <a:buNone/>
-            </a:pPr>
-            <a:endParaRPr lang="en-US" dirty="0"/>
-          </a:p>
-          <a:p>
-            <a:r>
-              <a:rPr lang="en-US" dirty="0"/>
-              <a:t>the number of miles on the odometer at the start</a:t>
-            </a:r>
-          </a:p>
-          <a:p>
-            <a:r>
-              <a:rPr lang="en-US" dirty="0"/>
-              <a:t>the number of miles on the odometer and the end</a:t>
-            </a:r>
-          </a:p>
-          <a:p>
-            <a:r>
-              <a:rPr lang="en-US" dirty="0"/>
-              <a:t>the number of rental days</a:t>
-            </a:r>
-          </a:p>
-          <a:p>
-            <a:r>
-              <a:rPr lang="en-US" dirty="0"/>
-              <a:t>the customer’s name</a:t>
-            </a:r>
-          </a:p>
-          <a:p>
-            <a:r>
-              <a:rPr lang="en-US" dirty="0"/>
-              <a:t>the luxury status</a:t>
-            </a:r>
-          </a:p>
-          <a:p>
-            <a:r>
-              <a:rPr lang="en-US" dirty="0"/>
-              <a:t>The month rented</a:t>
-            </a:r>
-          </a:p>
-          <a:p>
-            <a:pPr marL="0" indent="0">
-              <a:buNone/>
-            </a:pPr>
-            <a:endParaRPr lang="en-US" dirty="0"/>
-          </a:p>
-          <a:p>
-            <a:pPr marL="0" indent="0">
-              <a:buNone/>
-            </a:pPr>
-            <a:r>
-              <a:rPr lang="en-US" dirty="0"/>
-              <a:t>What are examples of good variable names for these?</a:t>
-            </a:r>
-          </a:p>
-        </p:txBody>
-      </p:sp>
-    </p:spTree>
-    <p:extLst>
-      <p:ext uri="{BB962C8B-B14F-4D97-AF65-F5344CB8AC3E}">
-        <p14:creationId xmlns:p14="http://schemas.microsoft.com/office/powerpoint/2010/main" val="1225998359"/>
-      </p:ext>
-    </p:extLst>
-  </p:cSld>
-  <p:clrMapOvr>
-    <a:masterClrMapping/>
-  </p:clrMapOvr>
-</p:sld>
-</file>
-
 <file path=ppt/slides/slide8.xml><?xml version="1.0" encoding="utf-8"?>
 <p:sld xmlns:a="http://schemas.openxmlformats.org/drawingml/2006/main" xmlns:r="http://schemas.openxmlformats.org/officeDocument/2006/relationships" xmlns:p="http://schemas.openxmlformats.org/presentationml/2006/main">
   <p:cSld>
@@ -6184,7 +6509,7 @@
           <p:cNvPr id="2" name="Title 1">
             <a:extLst>
               <a:ext uri="{FF2B5EF4-FFF2-40B4-BE49-F238E27FC236}">
-                <a16:creationId xmlns:a16="http://schemas.microsoft.com/office/drawing/2014/main" id="{543EF3C0-241D-4B4B-BC77-052A9618CEB0}"/>
+                <a16:creationId xmlns:a16="http://schemas.microsoft.com/office/drawing/2014/main" id="{2F6C9A64-3B91-3B40-8BC5-93B7A4BA692B}"/>
               </a:ext>
             </a:extLst>
           </p:cNvPr>
@@ -6195,29 +6520,24 @@
             <p:ph type="title"/>
           </p:nvPr>
         </p:nvSpPr>
-        <p:spPr>
-          <a:xfrm>
-            <a:off x="838200" y="500062"/>
-            <a:ext cx="10515600" cy="1325563"/>
-          </a:xfrm>
-        </p:spPr>
-        <p:txBody>
-          <a:bodyPr/>
-          <a:lstStyle/>
-          <a:p>
-            <a:r>
-              <a:rPr lang="en-US" dirty="0"/>
-              <a:t>Have short, descriptive comments</a:t>
-            </a:r>
-          </a:p>
-        </p:txBody>
-      </p:sp>
-      <p:sp>
-        <p:nvSpPr>
-          <p:cNvPr id="12" name="Content Placeholder 2">
-            <a:extLst>
-              <a:ext uri="{FF2B5EF4-FFF2-40B4-BE49-F238E27FC236}">
-                <a16:creationId xmlns:a16="http://schemas.microsoft.com/office/drawing/2014/main" id="{18AA9748-16AB-EC4D-80FF-09C9286B5EA5}"/>
+        <p:spPr/>
+        <p:txBody>
+          <a:bodyPr/>
+          <a:lstStyle/>
+          <a:p>
+            <a:r>
+              <a:rPr lang="en-US" dirty="0"/>
+              <a:t>Have descriptive variable names</a:t>
+            </a:r>
+          </a:p>
+        </p:txBody>
+      </p:sp>
+      <p:sp>
+        <p:nvSpPr>
+          <p:cNvPr id="4" name="Content Placeholder 2">
+            <a:extLst>
+              <a:ext uri="{FF2B5EF4-FFF2-40B4-BE49-F238E27FC236}">
+                <a16:creationId xmlns:a16="http://schemas.microsoft.com/office/drawing/2014/main" id="{2568D4F4-F275-8A47-BEDE-04A213ECA94E}"/>
               </a:ext>
             </a:extLst>
           </p:cNvPr>
@@ -6235,12 +6555,17 @@
           </a:xfrm>
         </p:spPr>
         <p:txBody>
-          <a:bodyPr/>
-          <a:lstStyle/>
-          <a:p>
-            <a:r>
-              <a:rPr lang="en-US" dirty="0"/>
-              <a:t>Do not just describe what each line is doing</a:t>
+          <a:bodyPr>
+            <a:normAutofit fontScale="92500" lnSpcReduction="20000"/>
+          </a:bodyPr>
+          <a:lstStyle/>
+          <a:p>
+            <a:pPr marL="0" indent="0">
+              <a:buNone/>
+            </a:pPr>
+            <a:r>
+              <a:rPr lang="en-US" dirty="0"/>
+              <a:t>In Homework #2, you have to write a program that calculates the cost of a car rental.  You need to create variables to store these values:</a:t>
             </a:r>
           </a:p>
           <a:p>
@@ -6252,7 +6577,37 @@
           <a:p>
             <a:r>
               <a:rPr lang="en-US" dirty="0"/>
-              <a:t>It is helpful to describe the input and output of each function</a:t>
+              <a:t>the number of miles on the odometer at the start</a:t>
+            </a:r>
+          </a:p>
+          <a:p>
+            <a:r>
+              <a:rPr lang="en-US" dirty="0"/>
+              <a:t>the number of miles on the odometer and the end</a:t>
+            </a:r>
+          </a:p>
+          <a:p>
+            <a:r>
+              <a:rPr lang="en-US" dirty="0"/>
+              <a:t>the number of rental days</a:t>
+            </a:r>
+          </a:p>
+          <a:p>
+            <a:r>
+              <a:rPr lang="en-US" dirty="0"/>
+              <a:t>the customer’s name</a:t>
+            </a:r>
+          </a:p>
+          <a:p>
+            <a:r>
+              <a:rPr lang="en-US" dirty="0"/>
+              <a:t>the luxury status</a:t>
+            </a:r>
+          </a:p>
+          <a:p>
+            <a:r>
+              <a:rPr lang="en-US" dirty="0"/>
+              <a:t>The month rented</a:t>
             </a:r>
           </a:p>
           <a:p>
@@ -6262,54 +6617,20 @@
             <a:endParaRPr lang="en-US" dirty="0"/>
           </a:p>
           <a:p>
-            <a:r>
-              <a:rPr lang="en-US" dirty="0"/>
-              <a:t>If you do some complicated arithmetic/manipulation of variables, it can be helpful to explain the logic</a:t>
-            </a:r>
-          </a:p>
-          <a:p>
-            <a:endParaRPr lang="en-US" dirty="0"/>
-          </a:p>
-          <a:p>
-            <a:r>
-              <a:rPr lang="en-US" dirty="0"/>
-              <a:t>Examples: </a:t>
-            </a:r>
-            <a:r>
-              <a:rPr lang="en-US" dirty="0" err="1"/>
-              <a:t>conditionals.cpp</a:t>
-            </a:r>
-            <a:r>
-              <a:rPr lang="en-US" dirty="0"/>
-              <a:t>, </a:t>
-            </a:r>
-            <a:r>
-              <a:rPr lang="en-US" dirty="0" err="1"/>
-              <a:t>conditionals_bad_comments.cpp</a:t>
-            </a:r>
-            <a:r>
-              <a:rPr lang="en-US" dirty="0"/>
-              <a:t> </a:t>
-            </a:r>
-          </a:p>
-          <a:p>
             <a:pPr marL="0" indent="0">
               <a:buNone/>
             </a:pPr>
-            <a:endParaRPr lang="en-US" dirty="0"/>
-          </a:p>
-          <a:p>
-            <a:pPr marL="0" indent="0">
-              <a:buNone/>
-            </a:pPr>
-            <a:endParaRPr lang="en-US" dirty="0"/>
+            <a:r>
+              <a:rPr lang="en-US" dirty="0"/>
+              <a:t>What are examples of good variable names for these?</a:t>
+            </a:r>
           </a:p>
         </p:txBody>
       </p:sp>
     </p:spTree>
     <p:extLst>
       <p:ext uri="{BB962C8B-B14F-4D97-AF65-F5344CB8AC3E}">
-        <p14:creationId xmlns:p14="http://schemas.microsoft.com/office/powerpoint/2010/main" val="1283447467"/>
+        <p14:creationId xmlns:p14="http://schemas.microsoft.com/office/powerpoint/2010/main" val="1225998359"/>
       </p:ext>
     </p:extLst>
   </p:cSld>
@@ -6341,7 +6662,7 @@
           <p:cNvPr id="2" name="Title 1">
             <a:extLst>
               <a:ext uri="{FF2B5EF4-FFF2-40B4-BE49-F238E27FC236}">
-                <a16:creationId xmlns:a16="http://schemas.microsoft.com/office/drawing/2014/main" id="{428DCBC3-DDCF-3D43-A793-1A3254152806}"/>
+                <a16:creationId xmlns:a16="http://schemas.microsoft.com/office/drawing/2014/main" id="{543EF3C0-241D-4B4B-BC77-052A9618CEB0}"/>
               </a:ext>
             </a:extLst>
           </p:cNvPr>
@@ -6352,24 +6673,29 @@
             <p:ph type="title"/>
           </p:nvPr>
         </p:nvSpPr>
-        <p:spPr/>
-        <p:txBody>
-          <a:bodyPr/>
-          <a:lstStyle/>
-          <a:p>
-            <a:r>
-              <a:rPr lang="en-US" dirty="0"/>
-              <a:t>Incremental development tips</a:t>
-            </a:r>
-          </a:p>
-        </p:txBody>
-      </p:sp>
-      <p:sp>
-        <p:nvSpPr>
-          <p:cNvPr id="3" name="Content Placeholder 2">
-            <a:extLst>
-              <a:ext uri="{FF2B5EF4-FFF2-40B4-BE49-F238E27FC236}">
-                <a16:creationId xmlns:a16="http://schemas.microsoft.com/office/drawing/2014/main" id="{F2360DEF-2ECA-494A-AA1E-5EC1F6E2F16F}"/>
+        <p:spPr>
+          <a:xfrm>
+            <a:off x="838200" y="500062"/>
+            <a:ext cx="10515600" cy="1325563"/>
+          </a:xfrm>
+        </p:spPr>
+        <p:txBody>
+          <a:bodyPr/>
+          <a:lstStyle/>
+          <a:p>
+            <a:r>
+              <a:rPr lang="en-US" dirty="0"/>
+              <a:t>Have short, descriptive comments</a:t>
+            </a:r>
+          </a:p>
+        </p:txBody>
+      </p:sp>
+      <p:sp>
+        <p:nvSpPr>
+          <p:cNvPr id="12" name="Content Placeholder 2">
+            <a:extLst>
+              <a:ext uri="{FF2B5EF4-FFF2-40B4-BE49-F238E27FC236}">
+                <a16:creationId xmlns:a16="http://schemas.microsoft.com/office/drawing/2014/main" id="{18AA9748-16AB-EC4D-80FF-09C9286B5EA5}"/>
               </a:ext>
             </a:extLst>
           </p:cNvPr>
@@ -6392,31 +6718,68 @@
           <a:p>
             <a:r>
               <a:rPr lang="en-US" dirty="0"/>
-              <a:t>Write small blocks of code at a time and test them with multiple types of input</a:t>
-            </a:r>
-          </a:p>
-          <a:p>
+              <a:t>Do not just describe what each line is doing</a:t>
+            </a:r>
+          </a:p>
+          <a:p>
+            <a:pPr marL="0" indent="0">
+              <a:buNone/>
+            </a:pPr>
             <a:endParaRPr lang="en-US" dirty="0"/>
           </a:p>
           <a:p>
             <a:r>
               <a:rPr lang="en-US" dirty="0"/>
-              <a:t>If you have multiple errors, test them sequentially and recompile as you fix mistakes.  Sometimes fixing one mistake will also fix later ones.</a:t>
-            </a:r>
-          </a:p>
-          <a:p>
+              <a:t>It is helpful to describe the input and output of each function</a:t>
+            </a:r>
+          </a:p>
+          <a:p>
+            <a:pPr marL="0" indent="0">
+              <a:buNone/>
+            </a:pPr>
             <a:endParaRPr lang="en-US" dirty="0"/>
           </a:p>
           <a:p>
             <a:r>
               <a:rPr lang="en-US" dirty="0"/>
-              <a:t>Save often!</a:t>
+              <a:t>If you do some complicated arithmetic/manipulation of variables, it can be helpful to explain the logic</a:t>
             </a:r>
           </a:p>
           <a:p>
             <a:endParaRPr lang="en-US" dirty="0"/>
           </a:p>
           <a:p>
+            <a:r>
+              <a:rPr lang="en-US" dirty="0"/>
+              <a:t>Examples: </a:t>
+            </a:r>
+            <a:r>
+              <a:rPr lang="en-US" dirty="0" err="1"/>
+              <a:t>conditionals.cpp</a:t>
+            </a:r>
+            <a:r>
+              <a:rPr lang="en-US" dirty="0"/>
+              <a:t>, </a:t>
+            </a:r>
+            <a:r>
+              <a:rPr lang="en-US" dirty="0" err="1"/>
+              <a:t>conditionals_bad_comments.cpp</a:t>
+            </a:r>
+            <a:r>
+              <a:rPr lang="en-US" dirty="0"/>
+              <a:t> </a:t>
+            </a:r>
+          </a:p>
+          <a:p>
+            <a:pPr marL="0" indent="0">
+              <a:buNone/>
+            </a:pPr>
+            <a:endParaRPr lang="en-US" dirty="0"/>
+          </a:p>
+          <a:p>
+            <a:pPr marL="0" indent="0">
+              <a:buNone/>
+            </a:pPr>
             <a:endParaRPr lang="en-US" dirty="0"/>
           </a:p>
         </p:txBody>
@@ -6424,7 +6787,7 @@
     </p:spTree>
     <p:extLst>
       <p:ext uri="{BB962C8B-B14F-4D97-AF65-F5344CB8AC3E}">
-        <p14:creationId xmlns:p14="http://schemas.microsoft.com/office/powerpoint/2010/main" val="1716786189"/>
+        <p14:creationId xmlns:p14="http://schemas.microsoft.com/office/powerpoint/2010/main" val="1283447467"/>
       </p:ext>
     </p:extLst>
   </p:cSld>
